--- a/.NET Group Geneva 2018-11-13/ASP.NET Core Security.pptx
+++ b/.NET Group Geneva 2018-11-13/ASP.NET Core Security.pptx
@@ -278,7 +278,7 @@
           <a:p>
             <a:fld id="{607A31D0-8CDF-43F4-93E5-6D9BCDB96118}" type="datetimeFigureOut">
               <a:rPr lang="de-DE" smtClean="0"/>
-              <a:t>26.09.2018</a:t>
+              <a:t>13.11.2018</a:t>
             </a:fld>
             <a:endParaRPr lang="de-DE"/>
           </a:p>
@@ -5770,7 +5770,7 @@
           <a:p>
             <a:fld id="{31B45A5F-6AA1-471D-956D-5B6631FC2132}" type="datetimeFigureOut">
               <a:rPr lang="en-GB" smtClean="0"/>
-              <a:t>26/09/2018</a:t>
+              <a:t>13/11/2018</a:t>
             </a:fld>
             <a:endParaRPr lang="en-GB"/>
           </a:p>
@@ -5940,7 +5940,7 @@
           <a:p>
             <a:fld id="{31B45A5F-6AA1-471D-956D-5B6631FC2132}" type="datetimeFigureOut">
               <a:rPr lang="en-GB" smtClean="0"/>
-              <a:t>26/09/2018</a:t>
+              <a:t>13/11/2018</a:t>
             </a:fld>
             <a:endParaRPr lang="en-GB"/>
           </a:p>
@@ -6120,7 +6120,7 @@
           <a:p>
             <a:fld id="{31B45A5F-6AA1-471D-956D-5B6631FC2132}" type="datetimeFigureOut">
               <a:rPr lang="en-GB" smtClean="0"/>
-              <a:t>26/09/2018</a:t>
+              <a:t>13/11/2018</a:t>
             </a:fld>
             <a:endParaRPr lang="en-GB"/>
           </a:p>
@@ -6290,7 +6290,7 @@
           <a:p>
             <a:fld id="{31B45A5F-6AA1-471D-956D-5B6631FC2132}" type="datetimeFigureOut">
               <a:rPr lang="en-GB" smtClean="0"/>
-              <a:t>26/09/2018</a:t>
+              <a:t>13/11/2018</a:t>
             </a:fld>
             <a:endParaRPr lang="en-GB"/>
           </a:p>
@@ -6536,7 +6536,7 @@
           <a:p>
             <a:fld id="{31B45A5F-6AA1-471D-956D-5B6631FC2132}" type="datetimeFigureOut">
               <a:rPr lang="en-GB" smtClean="0"/>
-              <a:t>26/09/2018</a:t>
+              <a:t>13/11/2018</a:t>
             </a:fld>
             <a:endParaRPr lang="en-GB"/>
           </a:p>
@@ -6768,7 +6768,7 @@
           <a:p>
             <a:fld id="{31B45A5F-6AA1-471D-956D-5B6631FC2132}" type="datetimeFigureOut">
               <a:rPr lang="en-GB" smtClean="0"/>
-              <a:t>26/09/2018</a:t>
+              <a:t>13/11/2018</a:t>
             </a:fld>
             <a:endParaRPr lang="en-GB"/>
           </a:p>
@@ -7135,7 +7135,7 @@
           <a:p>
             <a:fld id="{31B45A5F-6AA1-471D-956D-5B6631FC2132}" type="datetimeFigureOut">
               <a:rPr lang="en-GB" smtClean="0"/>
-              <a:t>26/09/2018</a:t>
+              <a:t>13/11/2018</a:t>
             </a:fld>
             <a:endParaRPr lang="en-GB"/>
           </a:p>
@@ -7253,7 +7253,7 @@
           <a:p>
             <a:fld id="{31B45A5F-6AA1-471D-956D-5B6631FC2132}" type="datetimeFigureOut">
               <a:rPr lang="en-GB" smtClean="0"/>
-              <a:t>26/09/2018</a:t>
+              <a:t>13/11/2018</a:t>
             </a:fld>
             <a:endParaRPr lang="en-GB"/>
           </a:p>
@@ -7348,7 +7348,7 @@
           <a:p>
             <a:fld id="{31B45A5F-6AA1-471D-956D-5B6631FC2132}" type="datetimeFigureOut">
               <a:rPr lang="en-GB" smtClean="0"/>
-              <a:t>26/09/2018</a:t>
+              <a:t>13/11/2018</a:t>
             </a:fld>
             <a:endParaRPr lang="en-GB"/>
           </a:p>
@@ -7625,7 +7625,7 @@
           <a:p>
             <a:fld id="{31B45A5F-6AA1-471D-956D-5B6631FC2132}" type="datetimeFigureOut">
               <a:rPr lang="en-GB" smtClean="0"/>
-              <a:t>26/09/2018</a:t>
+              <a:t>13/11/2018</a:t>
             </a:fld>
             <a:endParaRPr lang="en-GB"/>
           </a:p>
@@ -7878,7 +7878,7 @@
           <a:p>
             <a:fld id="{31B45A5F-6AA1-471D-956D-5B6631FC2132}" type="datetimeFigureOut">
               <a:rPr lang="en-GB" smtClean="0"/>
-              <a:t>26/09/2018</a:t>
+              <a:t>13/11/2018</a:t>
             </a:fld>
             <a:endParaRPr lang="en-GB"/>
           </a:p>
@@ -8091,7 +8091,7 @@
           <a:p>
             <a:fld id="{31B45A5F-6AA1-471D-956D-5B6631FC2132}" type="datetimeFigureOut">
               <a:rPr lang="en-GB" smtClean="0"/>
-              <a:t>26/09/2018</a:t>
+              <a:t>13/11/2018</a:t>
             </a:fld>
             <a:endParaRPr lang="en-GB"/>
           </a:p>
@@ -9750,7 +9750,7 @@
               <a:rPr lang="en-GB" sz="4000" dirty="0">
                 <a:latin typeface="+mj-lt"/>
               </a:rPr>
-              <a:t>Session Protection HTTPS headers, Meta Headers</a:t>
+              <a:t>Session Protection HTTP headers, Meta Headers</a:t>
             </a:r>
           </a:p>
           <a:p>
@@ -9767,8 +9767,29 @@
               <a:rPr lang="en-GB" sz="4000" dirty="0">
                 <a:latin typeface="+mj-lt"/>
               </a:rPr>
-              <a:t>HTTPS Certs TLS 1.0, 1.2</a:t>
-            </a:r>
+              <a:t>HTTPS Certs TLS 1.</a:t>
+            </a:r>
+            <a:r>
+              <a:rPr lang="en-CH" sz="4000" dirty="0">
+                <a:latin typeface="+mj-lt"/>
+              </a:rPr>
+              <a:t>2</a:t>
+            </a:r>
+            <a:r>
+              <a:rPr lang="en-GB" sz="4000" dirty="0">
+                <a:latin typeface="+mj-lt"/>
+              </a:rPr>
+              <a:t>, 1.</a:t>
+            </a:r>
+            <a:r>
+              <a:rPr lang="en-CH" sz="4000">
+                <a:latin typeface="+mj-lt"/>
+              </a:rPr>
+              <a:t>3</a:t>
+            </a:r>
+            <a:endParaRPr lang="en-GB" sz="4000" dirty="0">
+              <a:latin typeface="+mj-lt"/>
+            </a:endParaRPr>
           </a:p>
           <a:p>
             <a:endParaRPr lang="en-GB" sz="1000" dirty="0">
